--- a/Reports/SEE PPT's/CIE-1_PPT's/AKASH_PPT.pptx
+++ b/Reports/SEE PPT's/CIE-1_PPT's/AKASH_PPT.pptx
@@ -120,18 +120,39 @@
   </p:defaultTextStyle>
   <p:extLst>
     <p:ext uri="{EFAFB233-063F-42B5-8137-9DF3F51BA10A}">
-      <p15:sldGuideLst xmlns="" xmlns:p15="http://schemas.microsoft.com/office/powerpoint/2012/main"/>
+      <p15:sldGuideLst xmlns:p15="http://schemas.microsoft.com/office/powerpoint/2012/main">
+        <p15:guide id="1" orient="horz" pos="2160">
+          <p15:clr>
+            <a:srgbClr val="A4A3A4"/>
+          </p15:clr>
+        </p15:guide>
+        <p15:guide id="2" pos="3840">
+          <p15:clr>
+            <a:srgbClr val="A4A3A4"/>
+          </p15:clr>
+        </p15:guide>
+      </p15:sldGuideLst>
     </p:ext>
   </p:extLst>
 </p:presentation>
 </file>
 
 <file path=ppt/charts/chart1.xml><?xml version="1.0" encoding="utf-8"?>
-<c:chartSpace xmlns:c="http://schemas.openxmlformats.org/drawingml/2006/chart" xmlns:a="http://schemas.openxmlformats.org/drawingml/2006/main" xmlns:r="http://schemas.openxmlformats.org/officeDocument/2006/relationships">
+<c:chartSpace xmlns:c="http://schemas.openxmlformats.org/drawingml/2006/chart" xmlns:a="http://schemas.openxmlformats.org/drawingml/2006/main" xmlns:r="http://schemas.openxmlformats.org/officeDocument/2006/relationships" xmlns:c16r2="http://schemas.microsoft.com/office/drawing/2015/06/chart">
+  <c:date1904 val="0"/>
   <c:lang val="en-US"/>
+  <c:roundedCorners val="0"/>
+  <mc:AlternateContent xmlns:mc="http://schemas.openxmlformats.org/markup-compatibility/2006">
+    <mc:Choice xmlns:c14="http://schemas.microsoft.com/office/drawing/2007/8/2/chart" Requires="c14">
+      <c14:style val="102"/>
+    </mc:Choice>
+    <mc:Fallback>
+      <c:style val="2"/>
+    </mc:Fallback>
+  </mc:AlternateContent>
   <c:chart>
     <c:title>
-      <c:layout/>
+      <c:overlay val="0"/>
       <c:spPr>
         <a:noFill/>
         <a:ln>
@@ -160,11 +181,13 @@
         </a:p>
       </c:txPr>
     </c:title>
+    <c:autoTitleDeleted val="0"/>
     <c:plotArea>
       <c:layout/>
       <c:barChart>
         <c:barDir val="col"/>
         <c:grouping val="clustered"/>
+        <c:varyColors val="0"/>
         <c:ser>
           <c:idx val="0"/>
           <c:order val="0"/>
@@ -188,6 +211,7 @@
             </a:ln>
             <a:effectLst/>
           </c:spPr>
+          <c:invertIfNegative val="0"/>
           <c:cat>
             <c:strRef>
               <c:f>Sheet1!$A$2:$A$5</c:f>
@@ -229,7 +253,7 @@
               </c:numCache>
             </c:numRef>
           </c:val>
-          <c:extLst xmlns:c16r2="http://schemas.microsoft.com/office/drawing/2015/06/chart">
+          <c:extLst>
             <c:ext xmlns:c16="http://schemas.microsoft.com/office/drawing/2014/chart" uri="{C3380CC4-5D6E-409C-BE32-E72D297353CC}">
               <c16:uniqueId val="{00000000-2845-499A-96E1-1780B8D5666E}"/>
             </c:ext>
@@ -258,6 +282,7 @@
             </a:ln>
             <a:effectLst/>
           </c:spPr>
+          <c:invertIfNegative val="0"/>
           <c:cat>
             <c:strRef>
               <c:f>Sheet1!$A$2:$A$5</c:f>
@@ -299,7 +324,7 @@
               </c:numCache>
             </c:numRef>
           </c:val>
-          <c:extLst xmlns:c16r2="http://schemas.microsoft.com/office/drawing/2015/06/chart">
+          <c:extLst>
             <c:ext xmlns:c16="http://schemas.microsoft.com/office/drawing/2014/chart" uri="{C3380CC4-5D6E-409C-BE32-E72D297353CC}">
               <c16:uniqueId val="{00000001-2845-499A-96E1-1780B8D5666E}"/>
             </c:ext>
@@ -328,6 +353,7 @@
             </a:ln>
             <a:effectLst/>
           </c:spPr>
+          <c:invertIfNegative val="0"/>
           <c:cat>
             <c:strRef>
               <c:f>Sheet1!$A$2:$A$5</c:f>
@@ -369,7 +395,7 @@
               </c:numCache>
             </c:numRef>
           </c:val>
-          <c:extLst xmlns:c16r2="http://schemas.microsoft.com/office/drawing/2015/06/chart">
+          <c:extLst>
             <c:ext xmlns:c16="http://schemas.microsoft.com/office/drawing/2014/chart" uri="{C3380CC4-5D6E-409C-BE32-E72D297353CC}">
               <c16:uniqueId val="{00000002-2845-499A-96E1-1780B8D5666E}"/>
             </c:ext>
@@ -398,6 +424,7 @@
             </a:ln>
             <a:effectLst/>
           </c:spPr>
+          <c:invertIfNegative val="0"/>
           <c:cat>
             <c:strRef>
               <c:f>Sheet1!$A$2:$A$5</c:f>
@@ -439,7 +466,7 @@
               </c:numCache>
             </c:numRef>
           </c:val>
-          <c:extLst xmlns:c16r2="http://schemas.microsoft.com/office/drawing/2015/06/chart">
+          <c:extLst>
             <c:ext xmlns:c16="http://schemas.microsoft.com/office/drawing/2014/chart" uri="{C3380CC4-5D6E-409C-BE32-E72D297353CC}">
               <c16:uniqueId val="{00000004-2845-499A-96E1-1780B8D5666E}"/>
             </c:ext>
@@ -468,6 +495,7 @@
             </a:ln>
             <a:effectLst/>
           </c:spPr>
+          <c:invertIfNegative val="0"/>
           <c:cat>
             <c:strRef>
               <c:f>Sheet1!$A$2:$A$5</c:f>
@@ -509,12 +537,20 @@
               </c:numCache>
             </c:numRef>
           </c:val>
-          <c:extLst xmlns:c16r2="http://schemas.microsoft.com/office/drawing/2015/06/chart">
+          <c:extLst>
             <c:ext xmlns:c16="http://schemas.microsoft.com/office/drawing/2014/chart" uri="{C3380CC4-5D6E-409C-BE32-E72D297353CC}">
               <c16:uniqueId val="{00000005-2845-499A-96E1-1780B8D5666E}"/>
             </c:ext>
           </c:extLst>
         </c:ser>
+        <c:dLbls>
+          <c:showLegendKey val="0"/>
+          <c:showVal val="0"/>
+          <c:showCatName val="0"/>
+          <c:showSerName val="0"/>
+          <c:showPercent val="0"/>
+          <c:showBubbleSize val="0"/>
+        </c:dLbls>
         <c:gapWidth val="219"/>
         <c:overlap val="-27"/>
         <c:axId val="57930112"/>
@@ -525,9 +561,11 @@
         <c:scaling>
           <c:orientation val="minMax"/>
         </c:scaling>
+        <c:delete val="0"/>
         <c:axPos val="b"/>
         <c:numFmt formatCode="General" sourceLinked="1"/>
         <c:majorTickMark val="none"/>
+        <c:minorTickMark val="none"/>
         <c:tickLblPos val="nextTo"/>
         <c:spPr>
           <a:noFill/>
@@ -567,12 +605,14 @@
         <c:auto val="1"/>
         <c:lblAlgn val="ctr"/>
         <c:lblOffset val="100"/>
+        <c:noMultiLvlLbl val="0"/>
       </c:catAx>
       <c:valAx>
         <c:axId val="57931648"/>
         <c:scaling>
           <c:orientation val="minMax"/>
         </c:scaling>
+        <c:delete val="0"/>
         <c:axPos val="l"/>
         <c:majorGridlines>
           <c:spPr>
@@ -590,6 +630,7 @@
         </c:majorGridlines>
         <c:numFmt formatCode="General" sourceLinked="1"/>
         <c:majorTickMark val="none"/>
+        <c:minorTickMark val="none"/>
         <c:tickLblPos val="nextTo"/>
         <c:spPr>
           <a:noFill/>
@@ -632,7 +673,7 @@
     </c:plotArea>
     <c:legend>
       <c:legendPos val="b"/>
-      <c:layout/>
+      <c:overlay val="0"/>
       <c:spPr>
         <a:noFill/>
         <a:ln>
@@ -663,13 +704,14 @@
     </c:legend>
     <c:plotVisOnly val="1"/>
     <c:dispBlanksAs val="gap"/>
-    <c:extLst xmlns:c16r2="http://schemas.microsoft.com/office/drawing/2015/06/chart">
+    <c:extLst>
       <c:ext xmlns:c16r3="http://schemas.microsoft.com/office/drawing/2017/03/chart" uri="{56B9EC1D-385E-4148-901F-78D8002777C0}">
         <c16r3:dataDisplayOptions16>
           <c16r3:dispNaAsBlank val="1"/>
         </c16r3:dataDisplayOptions16>
       </c:ext>
     </c:extLst>
+    <c:showDLblsOverMax val="0"/>
   </c:chart>
   <c:spPr>
     <a:noFill/>
@@ -688,16 +730,28 @@
       <a:endParaRPr lang="en-US"/>
     </a:p>
   </c:txPr>
-  <c:externalData r:id="rId1"/>
+  <c:externalData r:id="rId3">
+    <c:autoUpdate val="0"/>
+  </c:externalData>
 </c:chartSpace>
 </file>
 
 <file path=ppt/charts/chart2.xml><?xml version="1.0" encoding="utf-8"?>
-<c:chartSpace xmlns:c="http://schemas.openxmlformats.org/drawingml/2006/chart" xmlns:a="http://schemas.openxmlformats.org/drawingml/2006/main" xmlns:r="http://schemas.openxmlformats.org/officeDocument/2006/relationships">
+<c:chartSpace xmlns:c="http://schemas.openxmlformats.org/drawingml/2006/chart" xmlns:a="http://schemas.openxmlformats.org/drawingml/2006/main" xmlns:r="http://schemas.openxmlformats.org/officeDocument/2006/relationships" xmlns:c16r2="http://schemas.microsoft.com/office/drawing/2015/06/chart">
+  <c:date1904 val="0"/>
   <c:lang val="en-US"/>
+  <c:roundedCorners val="0"/>
+  <mc:AlternateContent xmlns:mc="http://schemas.openxmlformats.org/markup-compatibility/2006">
+    <mc:Choice xmlns:c14="http://schemas.microsoft.com/office/drawing/2007/8/2/chart" Requires="c14">
+      <c14:style val="102"/>
+    </mc:Choice>
+    <mc:Fallback>
+      <c:style val="2"/>
+    </mc:Fallback>
+  </mc:AlternateContent>
   <c:chart>
     <c:title>
-      <c:layout/>
+      <c:overlay val="0"/>
       <c:spPr>
         <a:noFill/>
         <a:ln>
@@ -726,11 +780,13 @@
         </a:p>
       </c:txPr>
     </c:title>
+    <c:autoTitleDeleted val="0"/>
     <c:plotArea>
       <c:layout/>
       <c:barChart>
         <c:barDir val="col"/>
         <c:grouping val="clustered"/>
+        <c:varyColors val="0"/>
         <c:ser>
           <c:idx val="0"/>
           <c:order val="0"/>
@@ -754,6 +810,7 @@
             </a:ln>
             <a:effectLst/>
           </c:spPr>
+          <c:invertIfNegative val="0"/>
           <c:cat>
             <c:numRef>
               <c:f>Sheet1!$A$2:$A$5</c:f>
@@ -788,15 +845,15 @@
                   <c:v>0.2</c:v>
                 </c:pt>
                 <c:pt idx="2">
-                  <c:v>0.3000000000000001</c:v>
+                  <c:v>0.3</c:v>
                 </c:pt>
                 <c:pt idx="3">
-                  <c:v>0.35000000000000009</c:v>
+                  <c:v>0.35</c:v>
                 </c:pt>
               </c:numCache>
             </c:numRef>
           </c:val>
-          <c:extLst xmlns:c16r2="http://schemas.microsoft.com/office/drawing/2015/06/chart">
+          <c:extLst>
             <c:ext xmlns:c16="http://schemas.microsoft.com/office/drawing/2014/chart" uri="{C3380CC4-5D6E-409C-BE32-E72D297353CC}">
               <c16:uniqueId val="{00000000-0FC7-43C7-A174-71977AFE8DEA}"/>
             </c:ext>
@@ -825,6 +882,7 @@
             </a:ln>
             <a:effectLst/>
           </c:spPr>
+          <c:invertIfNegative val="0"/>
           <c:cat>
             <c:numRef>
               <c:f>Sheet1!$A$2:$A$5</c:f>
@@ -853,10 +911,10 @@
                 <c:formatCode>0%</c:formatCode>
                 <c:ptCount val="4"/>
                 <c:pt idx="0">
-                  <c:v>0.70000000000000018</c:v>
+                  <c:v>0.7</c:v>
                 </c:pt>
                 <c:pt idx="1">
-                  <c:v>0.75000000000000022</c:v>
+                  <c:v>0.75</c:v>
                 </c:pt>
                 <c:pt idx="2">
                   <c:v>0.5</c:v>
@@ -867,7 +925,7 @@
               </c:numCache>
             </c:numRef>
           </c:val>
-          <c:extLst xmlns:c16r2="http://schemas.microsoft.com/office/drawing/2015/06/chart">
+          <c:extLst>
             <c:ext xmlns:c16="http://schemas.microsoft.com/office/drawing/2014/chart" uri="{C3380CC4-5D6E-409C-BE32-E72D297353CC}">
               <c16:uniqueId val="{00000001-0FC7-43C7-A174-71977AFE8DEA}"/>
             </c:ext>
@@ -896,6 +954,7 @@
             </a:ln>
             <a:effectLst/>
           </c:spPr>
+          <c:invertIfNegative val="0"/>
           <c:cat>
             <c:numRef>
               <c:f>Sheet1!$A$2:$A$5</c:f>
@@ -938,12 +997,20 @@
               </c:numCache>
             </c:numRef>
           </c:val>
-          <c:extLst xmlns:c16r2="http://schemas.microsoft.com/office/drawing/2015/06/chart">
+          <c:extLst>
             <c:ext xmlns:c16="http://schemas.microsoft.com/office/drawing/2014/chart" uri="{C3380CC4-5D6E-409C-BE32-E72D297353CC}">
               <c16:uniqueId val="{00000002-0FC7-43C7-A174-71977AFE8DEA}"/>
             </c:ext>
           </c:extLst>
         </c:ser>
+        <c:dLbls>
+          <c:showLegendKey val="0"/>
+          <c:showVal val="0"/>
+          <c:showCatName val="0"/>
+          <c:showSerName val="0"/>
+          <c:showPercent val="0"/>
+          <c:showBubbleSize val="0"/>
+        </c:dLbls>
         <c:gapWidth val="219"/>
         <c:overlap val="-27"/>
         <c:axId val="59912960"/>
@@ -954,9 +1021,11 @@
         <c:scaling>
           <c:orientation val="minMax"/>
         </c:scaling>
+        <c:delete val="0"/>
         <c:axPos val="b"/>
         <c:numFmt formatCode="General" sourceLinked="1"/>
         <c:majorTickMark val="none"/>
+        <c:minorTickMark val="none"/>
         <c:tickLblPos val="nextTo"/>
         <c:spPr>
           <a:noFill/>
@@ -996,12 +1065,14 @@
         <c:auto val="1"/>
         <c:lblAlgn val="ctr"/>
         <c:lblOffset val="100"/>
+        <c:noMultiLvlLbl val="0"/>
       </c:catAx>
       <c:valAx>
         <c:axId val="59914496"/>
         <c:scaling>
           <c:orientation val="minMax"/>
         </c:scaling>
+        <c:delete val="0"/>
         <c:axPos val="l"/>
         <c:majorGridlines>
           <c:spPr>
@@ -1019,6 +1090,7 @@
         </c:majorGridlines>
         <c:numFmt formatCode="0%" sourceLinked="1"/>
         <c:majorTickMark val="none"/>
+        <c:minorTickMark val="none"/>
         <c:tickLblPos val="nextTo"/>
         <c:spPr>
           <a:noFill/>
@@ -1061,7 +1133,7 @@
     </c:plotArea>
     <c:legend>
       <c:legendPos val="b"/>
-      <c:layout/>
+      <c:overlay val="0"/>
       <c:spPr>
         <a:noFill/>
         <a:ln>
@@ -1092,13 +1164,14 @@
     </c:legend>
     <c:plotVisOnly val="1"/>
     <c:dispBlanksAs val="gap"/>
-    <c:extLst xmlns:c16r2="http://schemas.microsoft.com/office/drawing/2015/06/chart">
+    <c:extLst>
       <c:ext xmlns:c16r3="http://schemas.microsoft.com/office/drawing/2017/03/chart" uri="{56B9EC1D-385E-4148-901F-78D8002777C0}">
         <c16r3:dataDisplayOptions16>
           <c16r3:dispNaAsBlank val="1"/>
         </c16r3:dataDisplayOptions16>
       </c:ext>
     </c:extLst>
+    <c:showDLblsOverMax val="0"/>
   </c:chart>
   <c:spPr>
     <a:noFill/>
@@ -1117,16 +1190,28 @@
       <a:endParaRPr lang="en-US"/>
     </a:p>
   </c:txPr>
-  <c:externalData r:id="rId1"/>
+  <c:externalData r:id="rId3">
+    <c:autoUpdate val="0"/>
+  </c:externalData>
 </c:chartSpace>
 </file>
 
 <file path=ppt/charts/chart3.xml><?xml version="1.0" encoding="utf-8"?>
-<c:chartSpace xmlns:c="http://schemas.openxmlformats.org/drawingml/2006/chart" xmlns:a="http://schemas.openxmlformats.org/drawingml/2006/main" xmlns:r="http://schemas.openxmlformats.org/officeDocument/2006/relationships">
+<c:chartSpace xmlns:c="http://schemas.openxmlformats.org/drawingml/2006/chart" xmlns:a="http://schemas.openxmlformats.org/drawingml/2006/main" xmlns:r="http://schemas.openxmlformats.org/officeDocument/2006/relationships" xmlns:c16r2="http://schemas.microsoft.com/office/drawing/2015/06/chart">
+  <c:date1904 val="0"/>
   <c:lang val="en-US"/>
+  <c:roundedCorners val="0"/>
+  <mc:AlternateContent xmlns:mc="http://schemas.openxmlformats.org/markup-compatibility/2006">
+    <mc:Choice xmlns:c14="http://schemas.microsoft.com/office/drawing/2007/8/2/chart" Requires="c14">
+      <c14:style val="102"/>
+    </mc:Choice>
+    <mc:Fallback>
+      <c:style val="2"/>
+    </mc:Fallback>
+  </mc:AlternateContent>
   <c:chart>
     <c:title>
-      <c:layout/>
+      <c:overlay val="0"/>
       <c:spPr>
         <a:noFill/>
         <a:ln>
@@ -1155,11 +1240,13 @@
         </a:p>
       </c:txPr>
     </c:title>
+    <c:autoTitleDeleted val="0"/>
     <c:plotArea>
       <c:layout/>
       <c:barChart>
         <c:barDir val="col"/>
         <c:grouping val="clustered"/>
+        <c:varyColors val="0"/>
         <c:ser>
           <c:idx val="0"/>
           <c:order val="0"/>
@@ -1183,6 +1270,7 @@
             </a:ln>
             <a:effectLst/>
           </c:spPr>
+          <c:invertIfNegative val="0"/>
           <c:cat>
             <c:strRef>
               <c:f>Sheet1!$A$2:$A$5</c:f>
@@ -1224,7 +1312,7 @@
               </c:numCache>
             </c:numRef>
           </c:val>
-          <c:extLst xmlns:c16r2="http://schemas.microsoft.com/office/drawing/2015/06/chart">
+          <c:extLst>
             <c:ext xmlns:c16="http://schemas.microsoft.com/office/drawing/2014/chart" uri="{C3380CC4-5D6E-409C-BE32-E72D297353CC}">
               <c16:uniqueId val="{00000000-615E-46B5-8225-C64BAF33C496}"/>
             </c:ext>
@@ -1253,6 +1341,7 @@
             </a:ln>
             <a:effectLst/>
           </c:spPr>
+          <c:invertIfNegative val="0"/>
           <c:cat>
             <c:strRef>
               <c:f>Sheet1!$A$2:$A$5</c:f>
@@ -1294,7 +1383,7 @@
               </c:numCache>
             </c:numRef>
           </c:val>
-          <c:extLst xmlns:c16r2="http://schemas.microsoft.com/office/drawing/2015/06/chart">
+          <c:extLst>
             <c:ext xmlns:c16="http://schemas.microsoft.com/office/drawing/2014/chart" uri="{C3380CC4-5D6E-409C-BE32-E72D297353CC}">
               <c16:uniqueId val="{00000001-615E-46B5-8225-C64BAF33C496}"/>
             </c:ext>
@@ -1323,6 +1412,7 @@
             </a:ln>
             <a:effectLst/>
           </c:spPr>
+          <c:invertIfNegative val="0"/>
           <c:cat>
             <c:strRef>
               <c:f>Sheet1!$A$2:$A$5</c:f>
@@ -1361,12 +1451,20 @@
               </c:numCache>
             </c:numRef>
           </c:val>
-          <c:extLst xmlns:c16r2="http://schemas.microsoft.com/office/drawing/2015/06/chart">
+          <c:extLst>
             <c:ext xmlns:c16="http://schemas.microsoft.com/office/drawing/2014/chart" uri="{C3380CC4-5D6E-409C-BE32-E72D297353CC}">
               <c16:uniqueId val="{00000002-615E-46B5-8225-C64BAF33C496}"/>
             </c:ext>
           </c:extLst>
         </c:ser>
+        <c:dLbls>
+          <c:showLegendKey val="0"/>
+          <c:showVal val="0"/>
+          <c:showCatName val="0"/>
+          <c:showSerName val="0"/>
+          <c:showPercent val="0"/>
+          <c:showBubbleSize val="0"/>
+        </c:dLbls>
         <c:gapWidth val="219"/>
         <c:overlap val="-27"/>
         <c:axId val="59957248"/>
@@ -1377,9 +1475,11 @@
         <c:scaling>
           <c:orientation val="minMax"/>
         </c:scaling>
+        <c:delete val="0"/>
         <c:axPos val="b"/>
         <c:numFmt formatCode="General" sourceLinked="1"/>
         <c:majorTickMark val="none"/>
+        <c:minorTickMark val="none"/>
         <c:tickLblPos val="nextTo"/>
         <c:spPr>
           <a:noFill/>
@@ -1419,12 +1519,14 @@
         <c:auto val="1"/>
         <c:lblAlgn val="ctr"/>
         <c:lblOffset val="100"/>
+        <c:noMultiLvlLbl val="0"/>
       </c:catAx>
       <c:valAx>
         <c:axId val="59958784"/>
         <c:scaling>
           <c:orientation val="minMax"/>
         </c:scaling>
+        <c:delete val="0"/>
         <c:axPos val="l"/>
         <c:majorGridlines>
           <c:spPr>
@@ -1442,6 +1544,7 @@
         </c:majorGridlines>
         <c:numFmt formatCode="General" sourceLinked="1"/>
         <c:majorTickMark val="none"/>
+        <c:minorTickMark val="none"/>
         <c:tickLblPos val="nextTo"/>
         <c:spPr>
           <a:noFill/>
@@ -1484,7 +1587,7 @@
     </c:plotArea>
     <c:legend>
       <c:legendPos val="b"/>
-      <c:layout/>
+      <c:overlay val="0"/>
       <c:spPr>
         <a:noFill/>
         <a:ln>
@@ -1515,13 +1618,14 @@
     </c:legend>
     <c:plotVisOnly val="1"/>
     <c:dispBlanksAs val="gap"/>
-    <c:extLst xmlns:c16r2="http://schemas.microsoft.com/office/drawing/2015/06/chart">
+    <c:extLst>
       <c:ext xmlns:c16r3="http://schemas.microsoft.com/office/drawing/2017/03/chart" uri="{56B9EC1D-385E-4148-901F-78D8002777C0}">
         <c16r3:dataDisplayOptions16>
           <c16r3:dispNaAsBlank val="1"/>
         </c16r3:dataDisplayOptions16>
       </c:ext>
     </c:extLst>
+    <c:showDLblsOverMax val="0"/>
   </c:chart>
   <c:spPr>
     <a:noFill/>
@@ -1540,7 +1644,9 @@
       <a:endParaRPr lang="en-US"/>
     </a:p>
   </c:txPr>
-  <c:externalData r:id="rId1"/>
+  <c:externalData r:id="rId3">
+    <c:autoUpdate val="0"/>
+  </c:externalData>
 </c:chartSpace>
 </file>
 
@@ -3313,7 +3419,7 @@
             <a:fld id="{9184DA70-C731-4C70-880D-CCD4705E623C}" type="datetime1">
               <a:rPr lang="en-US" smtClean="0"/>
               <a:pPr/>
-              <a:t>5/11/2023</a:t>
+              <a:t>6/17/2023</a:t>
             </a:fld>
             <a:endParaRPr lang="en-US" dirty="0"/>
           </a:p>
@@ -3406,7 +3512,7 @@
     </p:spTree>
     <p:extLst>
       <p:ext uri="{BB962C8B-B14F-4D97-AF65-F5344CB8AC3E}">
-        <p14:creationId xmlns="" xmlns:p14="http://schemas.microsoft.com/office/powerpoint/2010/main" val="3986159537"/>
+        <p14:creationId xmlns:p14="http://schemas.microsoft.com/office/powerpoint/2010/main" val="3986159537"/>
       </p:ext>
     </p:extLst>
   </p:cSld>
@@ -3526,7 +3632,7 @@
             <a:fld id="{B612A279-0833-481D-8C56-F67FD0AC6C50}" type="datetime1">
               <a:rPr lang="en-US" smtClean="0"/>
               <a:pPr/>
-              <a:t>5/11/2023</a:t>
+              <a:t>6/17/2023</a:t>
             </a:fld>
             <a:endParaRPr lang="en-US" dirty="0"/>
           </a:p>
@@ -3609,7 +3715,7 @@
     </p:spTree>
     <p:extLst>
       <p:ext uri="{BB962C8B-B14F-4D97-AF65-F5344CB8AC3E}">
-        <p14:creationId xmlns="" xmlns:p14="http://schemas.microsoft.com/office/powerpoint/2010/main" val="3513588217"/>
+        <p14:creationId xmlns:p14="http://schemas.microsoft.com/office/powerpoint/2010/main" val="3513588217"/>
       </p:ext>
     </p:extLst>
   </p:cSld>
@@ -3743,7 +3849,7 @@
             <a:fld id="{6587DA83-5663-4C9C-B9AA-0B40A3DAFF81}" type="datetime1">
               <a:rPr lang="en-US" smtClean="0"/>
               <a:pPr/>
-              <a:t>5/11/2023</a:t>
+              <a:t>6/17/2023</a:t>
             </a:fld>
             <a:endParaRPr lang="en-US" dirty="0"/>
           </a:p>
@@ -3826,7 +3932,7 @@
     </p:spTree>
     <p:extLst>
       <p:ext uri="{BB962C8B-B14F-4D97-AF65-F5344CB8AC3E}">
-        <p14:creationId xmlns="" xmlns:p14="http://schemas.microsoft.com/office/powerpoint/2010/main" val="603257622"/>
+        <p14:creationId xmlns:p14="http://schemas.microsoft.com/office/powerpoint/2010/main" val="603257622"/>
       </p:ext>
     </p:extLst>
   </p:cSld>
@@ -3858,7 +3964,7 @@
           <p:cNvPr id="18" name="Rectangle 17">
             <a:extLst>
               <a:ext uri="{FF2B5EF4-FFF2-40B4-BE49-F238E27FC236}">
-                <a16:creationId xmlns:a16="http://schemas.microsoft.com/office/drawing/2014/main" xmlns="" id="{1DD2DC66-11E4-4714-A8DE-E8AC34D49655}"/>
+                <a16:creationId xmlns:a16="http://schemas.microsoft.com/office/drawing/2014/main" id="{1DD2DC66-11E4-4714-A8DE-E8AC34D49655}"/>
               </a:ext>
             </a:extLst>
           </p:cNvPr>
@@ -3910,7 +4016,7 @@
           <p:cNvPr id="21" name="Rectangle 20">
             <a:extLst>
               <a:ext uri="{FF2B5EF4-FFF2-40B4-BE49-F238E27FC236}">
-                <a16:creationId xmlns:a16="http://schemas.microsoft.com/office/drawing/2014/main" xmlns="" id="{8CD9ECBB-3A0A-409C-B1C0-C8F4C3087894}"/>
+                <a16:creationId xmlns:a16="http://schemas.microsoft.com/office/drawing/2014/main" id="{8CD9ECBB-3A0A-409C-B1C0-C8F4C3087894}"/>
               </a:ext>
             </a:extLst>
           </p:cNvPr>
@@ -3962,7 +4068,7 @@
           <p:cNvPr id="22" name="Rectangle 21">
             <a:extLst>
               <a:ext uri="{FF2B5EF4-FFF2-40B4-BE49-F238E27FC236}">
-                <a16:creationId xmlns:a16="http://schemas.microsoft.com/office/drawing/2014/main" xmlns="" id="{6FB4FA2C-0414-484D-95CD-C5E17E33E238}"/>
+                <a16:creationId xmlns:a16="http://schemas.microsoft.com/office/drawing/2014/main" id="{6FB4FA2C-0414-484D-95CD-C5E17E33E238}"/>
               </a:ext>
             </a:extLst>
           </p:cNvPr>
@@ -4014,7 +4120,7 @@
           <p:cNvPr id="25" name="Rectangle 24">
             <a:extLst>
               <a:ext uri="{FF2B5EF4-FFF2-40B4-BE49-F238E27FC236}">
-                <a16:creationId xmlns:a16="http://schemas.microsoft.com/office/drawing/2014/main" xmlns="" id="{8D0DE753-6478-4950-8F99-15952FCB6521}"/>
+                <a16:creationId xmlns:a16="http://schemas.microsoft.com/office/drawing/2014/main" id="{8D0DE753-6478-4950-8F99-15952FCB6521}"/>
               </a:ext>
             </a:extLst>
           </p:cNvPr>
@@ -4066,7 +4172,7 @@
           <p:cNvPr id="2" name="Title 1">
             <a:extLst>
               <a:ext uri="{FF2B5EF4-FFF2-40B4-BE49-F238E27FC236}">
-                <a16:creationId xmlns:a16="http://schemas.microsoft.com/office/drawing/2014/main" xmlns="" id="{BADB3C88-F13B-4B5F-920D-B4EFFAA592E5}"/>
+                <a16:creationId xmlns:a16="http://schemas.microsoft.com/office/drawing/2014/main" id="{BADB3C88-F13B-4B5F-920D-B4EFFAA592E5}"/>
               </a:ext>
             </a:extLst>
           </p:cNvPr>
@@ -4100,7 +4206,7 @@
           <p:cNvPr id="17" name="Slide Number Placeholder 4">
             <a:extLst>
               <a:ext uri="{FF2B5EF4-FFF2-40B4-BE49-F238E27FC236}">
-                <a16:creationId xmlns:a16="http://schemas.microsoft.com/office/drawing/2014/main" xmlns="" id="{76336E3A-55EE-4423-B1AA-7489CA988813}"/>
+                <a16:creationId xmlns:a16="http://schemas.microsoft.com/office/drawing/2014/main" id="{76336E3A-55EE-4423-B1AA-7489CA988813}"/>
               </a:ext>
             </a:extLst>
           </p:cNvPr>
@@ -4135,7 +4241,7 @@
           <p:cNvPr id="24" name="Straight Connector 23">
             <a:extLst>
               <a:ext uri="{FF2B5EF4-FFF2-40B4-BE49-F238E27FC236}">
-                <a16:creationId xmlns:a16="http://schemas.microsoft.com/office/drawing/2014/main" xmlns="" id="{0C61EA57-B8EA-4589-A9DD-E25F300D5AFD}"/>
+                <a16:creationId xmlns:a16="http://schemas.microsoft.com/office/drawing/2014/main" id="{0C61EA57-B8EA-4589-A9DD-E25F300D5AFD}"/>
               </a:ext>
             </a:extLst>
           </p:cNvPr>
@@ -4176,7 +4282,7 @@
           <p:cNvPr id="43" name="Picture Placeholder 33">
             <a:extLst>
               <a:ext uri="{FF2B5EF4-FFF2-40B4-BE49-F238E27FC236}">
-                <a16:creationId xmlns:a16="http://schemas.microsoft.com/office/drawing/2014/main" xmlns="" id="{1644FD94-AD03-4C4F-A1A5-085DD8F56646}"/>
+                <a16:creationId xmlns:a16="http://schemas.microsoft.com/office/drawing/2014/main" id="{1644FD94-AD03-4C4F-A1A5-085DD8F56646}"/>
               </a:ext>
             </a:extLst>
           </p:cNvPr>
@@ -4221,7 +4327,7 @@
           <p:cNvPr id="28" name="Picture Placeholder 33">
             <a:extLst>
               <a:ext uri="{FF2B5EF4-FFF2-40B4-BE49-F238E27FC236}">
-                <a16:creationId xmlns:a16="http://schemas.microsoft.com/office/drawing/2014/main" xmlns="" id="{85BB27A3-DB87-46F4-8CA4-3C04A088E787}"/>
+                <a16:creationId xmlns:a16="http://schemas.microsoft.com/office/drawing/2014/main" id="{85BB27A3-DB87-46F4-8CA4-3C04A088E787}"/>
               </a:ext>
             </a:extLst>
           </p:cNvPr>
@@ -4266,7 +4372,7 @@
           <p:cNvPr id="29" name="Picture Placeholder 33">
             <a:extLst>
               <a:ext uri="{FF2B5EF4-FFF2-40B4-BE49-F238E27FC236}">
-                <a16:creationId xmlns:a16="http://schemas.microsoft.com/office/drawing/2014/main" xmlns="" id="{F356E399-83ED-4937-A1CC-F591866C0E8C}"/>
+                <a16:creationId xmlns:a16="http://schemas.microsoft.com/office/drawing/2014/main" id="{F356E399-83ED-4937-A1CC-F591866C0E8C}"/>
               </a:ext>
             </a:extLst>
           </p:cNvPr>
@@ -4311,7 +4417,7 @@
           <p:cNvPr id="30" name="Picture Placeholder 33">
             <a:extLst>
               <a:ext uri="{FF2B5EF4-FFF2-40B4-BE49-F238E27FC236}">
-                <a16:creationId xmlns:a16="http://schemas.microsoft.com/office/drawing/2014/main" xmlns="" id="{0967254B-CF1D-4F0D-A7F6-EC4E117B7509}"/>
+                <a16:creationId xmlns:a16="http://schemas.microsoft.com/office/drawing/2014/main" id="{0967254B-CF1D-4F0D-A7F6-EC4E117B7509}"/>
               </a:ext>
             </a:extLst>
           </p:cNvPr>
@@ -4356,7 +4462,7 @@
           <p:cNvPr id="31" name="Text Placeholder 39">
             <a:extLst>
               <a:ext uri="{FF2B5EF4-FFF2-40B4-BE49-F238E27FC236}">
-                <a16:creationId xmlns:a16="http://schemas.microsoft.com/office/drawing/2014/main" xmlns="" id="{0CEF6C35-6F7B-43AD-9E4D-44C2F8A7DFAC}"/>
+                <a16:creationId xmlns:a16="http://schemas.microsoft.com/office/drawing/2014/main" id="{0CEF6C35-6F7B-43AD-9E4D-44C2F8A7DFAC}"/>
               </a:ext>
             </a:extLst>
           </p:cNvPr>
@@ -4434,7 +4540,7 @@
           <p:cNvPr id="33" name="Text Placeholder 39">
             <a:extLst>
               <a:ext uri="{FF2B5EF4-FFF2-40B4-BE49-F238E27FC236}">
-                <a16:creationId xmlns:a16="http://schemas.microsoft.com/office/drawing/2014/main" xmlns="" id="{44EF032C-161A-4C58-B624-66488C255E1F}"/>
+                <a16:creationId xmlns:a16="http://schemas.microsoft.com/office/drawing/2014/main" id="{44EF032C-161A-4C58-B624-66488C255E1F}"/>
               </a:ext>
             </a:extLst>
           </p:cNvPr>
@@ -4512,7 +4618,7 @@
           <p:cNvPr id="37" name="Text Placeholder 39">
             <a:extLst>
               <a:ext uri="{FF2B5EF4-FFF2-40B4-BE49-F238E27FC236}">
-                <a16:creationId xmlns:a16="http://schemas.microsoft.com/office/drawing/2014/main" xmlns="" id="{ACF86334-F4A8-4CCD-944F-524700CD8386}"/>
+                <a16:creationId xmlns:a16="http://schemas.microsoft.com/office/drawing/2014/main" id="{ACF86334-F4A8-4CCD-944F-524700CD8386}"/>
               </a:ext>
             </a:extLst>
           </p:cNvPr>
@@ -4590,7 +4696,7 @@
           <p:cNvPr id="38" name="Text Placeholder 39">
             <a:extLst>
               <a:ext uri="{FF2B5EF4-FFF2-40B4-BE49-F238E27FC236}">
-                <a16:creationId xmlns:a16="http://schemas.microsoft.com/office/drawing/2014/main" xmlns="" id="{135B4AC9-821C-4D70-8A4A-1992394DE432}"/>
+                <a16:creationId xmlns:a16="http://schemas.microsoft.com/office/drawing/2014/main" id="{135B4AC9-821C-4D70-8A4A-1992394DE432}"/>
               </a:ext>
             </a:extLst>
           </p:cNvPr>
@@ -4668,7 +4774,7 @@
           <p:cNvPr id="40" name="Text Placeholder 39">
             <a:extLst>
               <a:ext uri="{FF2B5EF4-FFF2-40B4-BE49-F238E27FC236}">
-                <a16:creationId xmlns:a16="http://schemas.microsoft.com/office/drawing/2014/main" xmlns="" id="{D2CF516C-7598-43D3-95E9-5633F8F4469B}"/>
+                <a16:creationId xmlns:a16="http://schemas.microsoft.com/office/drawing/2014/main" id="{D2CF516C-7598-43D3-95E9-5633F8F4469B}"/>
               </a:ext>
             </a:extLst>
           </p:cNvPr>
@@ -4746,7 +4852,7 @@
           <p:cNvPr id="41" name="Text Placeholder 39">
             <a:extLst>
               <a:ext uri="{FF2B5EF4-FFF2-40B4-BE49-F238E27FC236}">
-                <a16:creationId xmlns:a16="http://schemas.microsoft.com/office/drawing/2014/main" xmlns="" id="{12A6084C-5383-4EFC-8D49-33C5B61E6492}"/>
+                <a16:creationId xmlns:a16="http://schemas.microsoft.com/office/drawing/2014/main" id="{12A6084C-5383-4EFC-8D49-33C5B61E6492}"/>
               </a:ext>
             </a:extLst>
           </p:cNvPr>
@@ -4824,7 +4930,7 @@
           <p:cNvPr id="42" name="Text Placeholder 39">
             <a:extLst>
               <a:ext uri="{FF2B5EF4-FFF2-40B4-BE49-F238E27FC236}">
-                <a16:creationId xmlns:a16="http://schemas.microsoft.com/office/drawing/2014/main" xmlns="" id="{EFC5493B-D3CF-41B9-A996-7FBE932504B8}"/>
+                <a16:creationId xmlns:a16="http://schemas.microsoft.com/office/drawing/2014/main" id="{EFC5493B-D3CF-41B9-A996-7FBE932504B8}"/>
               </a:ext>
             </a:extLst>
           </p:cNvPr>
@@ -4902,7 +5008,7 @@
           <p:cNvPr id="44" name="Text Placeholder 39">
             <a:extLst>
               <a:ext uri="{FF2B5EF4-FFF2-40B4-BE49-F238E27FC236}">
-                <a16:creationId xmlns:a16="http://schemas.microsoft.com/office/drawing/2014/main" xmlns="" id="{33A98F60-C169-44C1-9654-2239C9C1F29A}"/>
+                <a16:creationId xmlns:a16="http://schemas.microsoft.com/office/drawing/2014/main" id="{33A98F60-C169-44C1-9654-2239C9C1F29A}"/>
               </a:ext>
             </a:extLst>
           </p:cNvPr>
@@ -4978,7 +5084,7 @@
     </p:spTree>
     <p:extLst>
       <p:ext uri="{BB962C8B-B14F-4D97-AF65-F5344CB8AC3E}">
-        <p14:creationId xmlns:p14="http://schemas.microsoft.com/office/powerpoint/2010/main" xmlns="" val="3273004770"/>
+        <p14:creationId xmlns:p14="http://schemas.microsoft.com/office/powerpoint/2010/main" val="3273004770"/>
       </p:ext>
     </p:extLst>
   </p:cSld>
@@ -5098,7 +5204,7 @@
             <a:fld id="{4BE1D723-8F53-4F53-90B0-1982A396982E}" type="datetime1">
               <a:rPr lang="en-US" smtClean="0"/>
               <a:pPr/>
-              <a:t>5/11/2023</a:t>
+              <a:t>6/17/2023</a:t>
             </a:fld>
             <a:endParaRPr lang="en-US" dirty="0"/>
           </a:p>
@@ -5181,7 +5287,7 @@
     </p:spTree>
     <p:extLst>
       <p:ext uri="{BB962C8B-B14F-4D97-AF65-F5344CB8AC3E}">
-        <p14:creationId xmlns="" xmlns:p14="http://schemas.microsoft.com/office/powerpoint/2010/main" val="2572825003"/>
+        <p14:creationId xmlns:p14="http://schemas.microsoft.com/office/powerpoint/2010/main" val="2572825003"/>
       </p:ext>
     </p:extLst>
   </p:cSld>
@@ -5379,7 +5485,7 @@
             <a:fld id="{97669AF7-7BEB-44E4-9852-375E34362B5B}" type="datetime1">
               <a:rPr lang="en-US" smtClean="0"/>
               <a:pPr/>
-              <a:t>5/11/2023</a:t>
+              <a:t>6/17/2023</a:t>
             </a:fld>
             <a:endParaRPr lang="en-US" dirty="0"/>
           </a:p>
@@ -5462,7 +5568,7 @@
     </p:spTree>
     <p:extLst>
       <p:ext uri="{BB962C8B-B14F-4D97-AF65-F5344CB8AC3E}">
-        <p14:creationId xmlns="" xmlns:p14="http://schemas.microsoft.com/office/powerpoint/2010/main" val="966987058"/>
+        <p14:creationId xmlns:p14="http://schemas.microsoft.com/office/powerpoint/2010/main" val="966987058"/>
       </p:ext>
     </p:extLst>
   </p:cSld>
@@ -5649,7 +5755,7 @@
             <a:fld id="{BAAAC38D-0552-4C82-B593-E6124DFADBE2}" type="datetime1">
               <a:rPr lang="en-US" smtClean="0"/>
               <a:pPr/>
-              <a:t>5/11/2023</a:t>
+              <a:t>6/17/2023</a:t>
             </a:fld>
             <a:endParaRPr lang="en-US" dirty="0"/>
           </a:p>
@@ -5732,7 +5838,7 @@
     </p:spTree>
     <p:extLst>
       <p:ext uri="{BB962C8B-B14F-4D97-AF65-F5344CB8AC3E}">
-        <p14:creationId xmlns="" xmlns:p14="http://schemas.microsoft.com/office/powerpoint/2010/main" val="1420675729"/>
+        <p14:creationId xmlns:p14="http://schemas.microsoft.com/office/powerpoint/2010/main" val="1420675729"/>
       </p:ext>
     </p:extLst>
   </p:cSld>
@@ -6067,7 +6173,7 @@
             <a:fld id="{D9DF0F1C-5577-4ACB-BB62-DF8F3C494C7E}" type="datetime1">
               <a:rPr lang="en-US" smtClean="0"/>
               <a:pPr/>
-              <a:t>5/11/2023</a:t>
+              <a:t>6/17/2023</a:t>
             </a:fld>
             <a:endParaRPr lang="en-US" dirty="0"/>
           </a:p>
@@ -6150,7 +6256,7 @@
     </p:spTree>
     <p:extLst>
       <p:ext uri="{BB962C8B-B14F-4D97-AF65-F5344CB8AC3E}">
-        <p14:creationId xmlns="" xmlns:p14="http://schemas.microsoft.com/office/powerpoint/2010/main" val="3596038086"/>
+        <p14:creationId xmlns:p14="http://schemas.microsoft.com/office/powerpoint/2010/main" val="3596038086"/>
       </p:ext>
     </p:extLst>
   </p:cSld>
@@ -6218,7 +6324,7 @@
             <a:fld id="{1775B394-D9F9-4F0C-B15D-605F45CB9E9F}" type="datetime1">
               <a:rPr lang="en-US" smtClean="0"/>
               <a:pPr/>
-              <a:t>5/11/2023</a:t>
+              <a:t>6/17/2023</a:t>
             </a:fld>
             <a:endParaRPr lang="en-US" dirty="0"/>
           </a:p>
@@ -6301,7 +6407,7 @@
     </p:spTree>
     <p:extLst>
       <p:ext uri="{BB962C8B-B14F-4D97-AF65-F5344CB8AC3E}">
-        <p14:creationId xmlns="" xmlns:p14="http://schemas.microsoft.com/office/powerpoint/2010/main" val="3138507360"/>
+        <p14:creationId xmlns:p14="http://schemas.microsoft.com/office/powerpoint/2010/main" val="3138507360"/>
       </p:ext>
     </p:extLst>
   </p:cSld>
@@ -6346,7 +6452,7 @@
             <a:fld id="{39667345-2558-425A-8533-9BFDBCE15005}" type="datetime1">
               <a:rPr lang="en-US" smtClean="0"/>
               <a:pPr/>
-              <a:t>5/11/2023</a:t>
+              <a:t>6/17/2023</a:t>
             </a:fld>
             <a:endParaRPr lang="en-US" dirty="0"/>
           </a:p>
@@ -6398,7 +6504,7 @@
     </p:spTree>
     <p:extLst>
       <p:ext uri="{BB962C8B-B14F-4D97-AF65-F5344CB8AC3E}">
-        <p14:creationId xmlns="" xmlns:p14="http://schemas.microsoft.com/office/powerpoint/2010/main" val="1207605170"/>
+        <p14:creationId xmlns:p14="http://schemas.microsoft.com/office/powerpoint/2010/main" val="1207605170"/>
       </p:ext>
     </p:extLst>
   </p:cSld>
@@ -6599,7 +6705,7 @@
             <a:fld id="{92BEA474-078D-4E9B-9B14-09A87B19DC46}" type="datetime1">
               <a:rPr lang="en-US" smtClean="0"/>
               <a:pPr/>
-              <a:t>5/11/2023</a:t>
+              <a:t>6/17/2023</a:t>
             </a:fld>
             <a:endParaRPr lang="en-US" dirty="0"/>
           </a:p>
@@ -6682,7 +6788,7 @@
     </p:spTree>
     <p:extLst>
       <p:ext uri="{BB962C8B-B14F-4D97-AF65-F5344CB8AC3E}">
-        <p14:creationId xmlns="" xmlns:p14="http://schemas.microsoft.com/office/powerpoint/2010/main" val="3777264724"/>
+        <p14:creationId xmlns:p14="http://schemas.microsoft.com/office/powerpoint/2010/main" val="3777264724"/>
       </p:ext>
     </p:extLst>
   </p:cSld>
@@ -7046,7 +7152,7 @@
             <a:fld id="{4907D986-8816-4272-A432-0437A28A9828}" type="datetime1">
               <a:rPr lang="en-US" smtClean="0"/>
               <a:pPr/>
-              <a:t>5/11/2023</a:t>
+              <a:t>6/17/2023</a:t>
             </a:fld>
             <a:endParaRPr lang="en-US" dirty="0"/>
           </a:p>
@@ -7135,7 +7241,7 @@
     </p:spTree>
     <p:extLst>
       <p:ext uri="{BB962C8B-B14F-4D97-AF65-F5344CB8AC3E}">
-        <p14:creationId xmlns="" xmlns:p14="http://schemas.microsoft.com/office/powerpoint/2010/main" val="1467090751"/>
+        <p14:creationId xmlns:p14="http://schemas.microsoft.com/office/powerpoint/2010/main" val="1467090751"/>
       </p:ext>
     </p:extLst>
   </p:cSld>
@@ -7228,7 +7334,7 @@
           <a:blip r:embed="rId14">
             <a:extLst>
               <a:ext uri="{28A0092B-C50C-407E-A947-70E740481C1C}">
-                <a14:useLocalDpi xmlns="" xmlns:a14="http://schemas.microsoft.com/office/drawing/2010/main" val="0"/>
+                <a14:useLocalDpi xmlns:a14="http://schemas.microsoft.com/office/drawing/2010/main" val="0"/>
               </a:ext>
             </a:extLst>
           </a:blip>
@@ -7376,7 +7482,7 @@
             <a:fld id="{62D6E202-B606-4609-B914-27C9371A1F6D}" type="datetime1">
               <a:rPr lang="en-US" smtClean="0"/>
               <a:pPr/>
-              <a:t>5/11/2023</a:t>
+              <a:t>6/17/2023</a:t>
             </a:fld>
             <a:endParaRPr lang="en-US" dirty="0"/>
           </a:p>
@@ -7499,7 +7605,7 @@
     </p:spTree>
     <p:extLst>
       <p:ext uri="{BB962C8B-B14F-4D97-AF65-F5344CB8AC3E}">
-        <p14:creationId xmlns="" xmlns:p14="http://schemas.microsoft.com/office/powerpoint/2010/main" val="1888588240"/>
+        <p14:creationId xmlns:p14="http://schemas.microsoft.com/office/powerpoint/2010/main" val="1888588240"/>
       </p:ext>
     </p:extLst>
   </p:cSld>
@@ -7878,7 +7984,7 @@
           <p:cNvPr id="2" name="Title 1">
             <a:extLst>
               <a:ext uri="{FF2B5EF4-FFF2-40B4-BE49-F238E27FC236}">
-                <a16:creationId xmlns="" xmlns:a16="http://schemas.microsoft.com/office/drawing/2014/main" id="{78FD68DA-43BA-4508-8DE2-BA9BB7B2FA5B}"/>
+                <a16:creationId xmlns:a16="http://schemas.microsoft.com/office/drawing/2014/main" id="{78FD68DA-43BA-4508-8DE2-BA9BB7B2FA5B}"/>
               </a:ext>
             </a:extLst>
           </p:cNvPr>
@@ -7920,7 +8026,7 @@
           <p:cNvPr id="3" name="Subtitle 2">
             <a:extLst>
               <a:ext uri="{FF2B5EF4-FFF2-40B4-BE49-F238E27FC236}">
-                <a16:creationId xmlns="" xmlns:a16="http://schemas.microsoft.com/office/drawing/2014/main" id="{A8E9CFF2-3777-4FF4-A759-8491175B0B7C}"/>
+                <a16:creationId xmlns:a16="http://schemas.microsoft.com/office/drawing/2014/main" id="{A8E9CFF2-3777-4FF4-A759-8491175B0B7C}"/>
               </a:ext>
             </a:extLst>
           </p:cNvPr>
@@ -7983,7 +8089,7 @@
           <p:cNvPr id="6" name="Picture 5">
             <a:extLst>
               <a:ext uri="{FF2B5EF4-FFF2-40B4-BE49-F238E27FC236}">
-                <a16:creationId xmlns="" xmlns:a16="http://schemas.microsoft.com/office/drawing/2014/main" id="{AA665AD0-47BF-450C-B53E-9842BC919601}"/>
+                <a16:creationId xmlns:a16="http://schemas.microsoft.com/office/drawing/2014/main" id="{AA665AD0-47BF-450C-B53E-9842BC919601}"/>
               </a:ext>
             </a:extLst>
           </p:cNvPr>
@@ -7996,7 +8102,7 @@
           <a:blip r:embed="rId2">
             <a:extLst>
               <a:ext uri="{28A0092B-C50C-407E-A947-70E740481C1C}">
-                <a14:useLocalDpi xmlns="" xmlns:a14="http://schemas.microsoft.com/office/drawing/2010/main" val="0"/>
+                <a14:useLocalDpi xmlns:a14="http://schemas.microsoft.com/office/drawing/2010/main" val="0"/>
               </a:ext>
             </a:extLst>
           </a:blip>
@@ -8017,7 +8123,7 @@
     </p:spTree>
     <p:extLst>
       <p:ext uri="{BB962C8B-B14F-4D97-AF65-F5344CB8AC3E}">
-        <p14:creationId xmlns="" xmlns:p14="http://schemas.microsoft.com/office/powerpoint/2010/main" val="4043737824"/>
+        <p14:creationId xmlns:p14="http://schemas.microsoft.com/office/powerpoint/2010/main" val="4043737824"/>
       </p:ext>
     </p:extLst>
   </p:cSld>
@@ -8049,7 +8155,7 @@
           <p:cNvPr id="4" name="Chart 3">
             <a:extLst>
               <a:ext uri="{FF2B5EF4-FFF2-40B4-BE49-F238E27FC236}">
-                <a16:creationId xmlns="" xmlns:a16="http://schemas.microsoft.com/office/drawing/2014/main" id="{D9787E14-8BE9-4BEE-A21F-FDDC7BAD48F5}"/>
+                <a16:creationId xmlns:a16="http://schemas.microsoft.com/office/drawing/2014/main" id="{D9787E14-8BE9-4BEE-A21F-FDDC7BAD48F5}"/>
               </a:ext>
             </a:extLst>
           </p:cNvPr>
@@ -8057,7 +8163,7 @@
           <p:nvPr>
             <p:extLst>
               <p:ext uri="{D42A27DB-BD31-4B8C-83A1-F6EECF244321}">
-                <p14:modId xmlns="" xmlns:p14="http://schemas.microsoft.com/office/powerpoint/2010/main" val="2741781858"/>
+                <p14:modId xmlns:p14="http://schemas.microsoft.com/office/powerpoint/2010/main" val="2505531064"/>
               </p:ext>
             </p:extLst>
           </p:nvPr>
@@ -8075,7 +8181,7 @@
     </p:spTree>
     <p:extLst>
       <p:ext uri="{BB962C8B-B14F-4D97-AF65-F5344CB8AC3E}">
-        <p14:creationId xmlns="" xmlns:p14="http://schemas.microsoft.com/office/powerpoint/2010/main" val="3897493408"/>
+        <p14:creationId xmlns:p14="http://schemas.microsoft.com/office/powerpoint/2010/main" val="3897493408"/>
       </p:ext>
     </p:extLst>
   </p:cSld>
@@ -8107,7 +8213,7 @@
           <p:cNvPr id="4" name="Chart 3">
             <a:extLst>
               <a:ext uri="{FF2B5EF4-FFF2-40B4-BE49-F238E27FC236}">
-                <a16:creationId xmlns="" xmlns:a16="http://schemas.microsoft.com/office/drawing/2014/main" id="{D497114A-5A35-40DE-B480-61FAD36596C9}"/>
+                <a16:creationId xmlns:a16="http://schemas.microsoft.com/office/drawing/2014/main" id="{D497114A-5A35-40DE-B480-61FAD36596C9}"/>
               </a:ext>
             </a:extLst>
           </p:cNvPr>
@@ -8115,7 +8221,7 @@
           <p:nvPr>
             <p:extLst>
               <p:ext uri="{D42A27DB-BD31-4B8C-83A1-F6EECF244321}">
-                <p14:modId xmlns="" xmlns:p14="http://schemas.microsoft.com/office/powerpoint/2010/main" val="1495822492"/>
+                <p14:modId xmlns:p14="http://schemas.microsoft.com/office/powerpoint/2010/main" val="1641695923"/>
               </p:ext>
             </p:extLst>
           </p:nvPr>
@@ -8133,7 +8239,7 @@
     </p:spTree>
     <p:extLst>
       <p:ext uri="{BB962C8B-B14F-4D97-AF65-F5344CB8AC3E}">
-        <p14:creationId xmlns="" xmlns:p14="http://schemas.microsoft.com/office/powerpoint/2010/main" val="2392776489"/>
+        <p14:creationId xmlns:p14="http://schemas.microsoft.com/office/powerpoint/2010/main" val="2392776489"/>
       </p:ext>
     </p:extLst>
   </p:cSld>
@@ -8165,7 +8271,7 @@
           <p:cNvPr id="4" name="Chart 3">
             <a:extLst>
               <a:ext uri="{FF2B5EF4-FFF2-40B4-BE49-F238E27FC236}">
-                <a16:creationId xmlns="" xmlns:a16="http://schemas.microsoft.com/office/drawing/2014/main" id="{7A5C0B5C-8B80-476D-8BC0-ECB7F4640061}"/>
+                <a16:creationId xmlns:a16="http://schemas.microsoft.com/office/drawing/2014/main" id="{7A5C0B5C-8B80-476D-8BC0-ECB7F4640061}"/>
               </a:ext>
             </a:extLst>
           </p:cNvPr>
@@ -8173,7 +8279,7 @@
           <p:nvPr>
             <p:extLst>
               <p:ext uri="{D42A27DB-BD31-4B8C-83A1-F6EECF244321}">
-                <p14:modId xmlns="" xmlns:p14="http://schemas.microsoft.com/office/powerpoint/2010/main" val="2864592851"/>
+                <p14:modId xmlns:p14="http://schemas.microsoft.com/office/powerpoint/2010/main" val="1709515328"/>
               </p:ext>
             </p:extLst>
           </p:nvPr>
@@ -8191,7 +8297,7 @@
     </p:spTree>
     <p:extLst>
       <p:ext uri="{BB962C8B-B14F-4D97-AF65-F5344CB8AC3E}">
-        <p14:creationId xmlns="" xmlns:p14="http://schemas.microsoft.com/office/powerpoint/2010/main" val="473069551"/>
+        <p14:creationId xmlns:p14="http://schemas.microsoft.com/office/powerpoint/2010/main" val="473069551"/>
       </p:ext>
     </p:extLst>
   </p:cSld>
@@ -8223,7 +8329,7 @@
           <p:cNvPr id="2" name="Picture 1">
             <a:extLst>
               <a:ext uri="{FF2B5EF4-FFF2-40B4-BE49-F238E27FC236}">
-                <a16:creationId xmlns="" xmlns:a16="http://schemas.microsoft.com/office/drawing/2014/main" id="{44913090-2DC0-4C1D-9768-1DCA696589A7}"/>
+                <a16:creationId xmlns:a16="http://schemas.microsoft.com/office/drawing/2014/main" id="{44913090-2DC0-4C1D-9768-1DCA696589A7}"/>
               </a:ext>
             </a:extLst>
           </p:cNvPr>
@@ -8251,7 +8357,7 @@
     </p:spTree>
     <p:extLst>
       <p:ext uri="{BB962C8B-B14F-4D97-AF65-F5344CB8AC3E}">
-        <p14:creationId xmlns="" xmlns:p14="http://schemas.microsoft.com/office/powerpoint/2010/main" val="4089080293"/>
+        <p14:creationId xmlns:p14="http://schemas.microsoft.com/office/powerpoint/2010/main" val="4089080293"/>
       </p:ext>
     </p:extLst>
   </p:cSld>
@@ -8283,7 +8389,7 @@
           <p:cNvPr id="2" name="Title 1">
             <a:extLst>
               <a:ext uri="{FF2B5EF4-FFF2-40B4-BE49-F238E27FC236}">
-                <a16:creationId xmlns="" xmlns:a16="http://schemas.microsoft.com/office/drawing/2014/main" id="{B1F233CD-FE5C-4C3C-B939-4343818F08F2}"/>
+                <a16:creationId xmlns:a16="http://schemas.microsoft.com/office/drawing/2014/main" id="{B1F233CD-FE5C-4C3C-B939-4343818F08F2}"/>
               </a:ext>
             </a:extLst>
           </p:cNvPr>
@@ -8328,7 +8434,7 @@
           <p:cNvPr id="3" name="Content Placeholder 2">
             <a:extLst>
               <a:ext uri="{FF2B5EF4-FFF2-40B4-BE49-F238E27FC236}">
-                <a16:creationId xmlns="" xmlns:a16="http://schemas.microsoft.com/office/drawing/2014/main" id="{A14C2FDD-2360-4DA1-B211-60808A87DB8F}"/>
+                <a16:creationId xmlns:a16="http://schemas.microsoft.com/office/drawing/2014/main" id="{A14C2FDD-2360-4DA1-B211-60808A87DB8F}"/>
               </a:ext>
             </a:extLst>
           </p:cNvPr>
@@ -8537,7 +8643,7 @@
     </p:spTree>
     <p:extLst>
       <p:ext uri="{BB962C8B-B14F-4D97-AF65-F5344CB8AC3E}">
-        <p14:creationId xmlns="" xmlns:p14="http://schemas.microsoft.com/office/powerpoint/2010/main" val="1981002168"/>
+        <p14:creationId xmlns:p14="http://schemas.microsoft.com/office/powerpoint/2010/main" val="1981002168"/>
       </p:ext>
     </p:extLst>
   </p:cSld>
@@ -8577,7 +8683,7 @@
           <p:cNvPr id="2" name="Title 1">
             <a:extLst>
               <a:ext uri="{FF2B5EF4-FFF2-40B4-BE49-F238E27FC236}">
-                <a16:creationId xmlns="" xmlns:a16="http://schemas.microsoft.com/office/drawing/2014/main" id="{9AB2EA78-AEB3-469B-9025-3B17201A457B}"/>
+                <a16:creationId xmlns:a16="http://schemas.microsoft.com/office/drawing/2014/main" id="{9AB2EA78-AEB3-469B-9025-3B17201A457B}"/>
               </a:ext>
             </a:extLst>
           </p:cNvPr>
@@ -8617,7 +8723,7 @@
           <p:cNvPr id="3" name="Subtitle 2">
             <a:extLst>
               <a:ext uri="{FF2B5EF4-FFF2-40B4-BE49-F238E27FC236}">
-                <a16:creationId xmlns="" xmlns:a16="http://schemas.microsoft.com/office/drawing/2014/main" id="{255E1F2F-E259-4EA8-9FFD-3A10AF541859}"/>
+                <a16:creationId xmlns:a16="http://schemas.microsoft.com/office/drawing/2014/main" id="{255E1F2F-E259-4EA8-9FFD-3A10AF541859}"/>
               </a:ext>
             </a:extLst>
           </p:cNvPr>
@@ -8651,7 +8757,7 @@
     </p:spTree>
     <p:extLst>
       <p:ext uri="{BB962C8B-B14F-4D97-AF65-F5344CB8AC3E}">
-        <p14:creationId xmlns="" xmlns:p14="http://schemas.microsoft.com/office/powerpoint/2010/main" val="191714609"/>
+        <p14:creationId xmlns:p14="http://schemas.microsoft.com/office/powerpoint/2010/main" val="191714609"/>
       </p:ext>
     </p:extLst>
   </p:cSld>
@@ -8696,14 +8802,14 @@
           <a:lstStyle/>
           <a:p>
             <a:r>
-              <a:rPr lang="en-GB" sz="4000" b="1" dirty="0" smtClean="0">
+              <a:rPr lang="en-GB" sz="4000" b="1" dirty="0">
                 <a:latin typeface="Times New Roman" pitchFamily="18" charset="0"/>
                 <a:cs typeface="Times New Roman" pitchFamily="18" charset="0"/>
               </a:rPr>
               <a:t>C</a:t>
             </a:r>
             <a:r>
-              <a:rPr lang="en-IN" sz="4000" b="1" dirty="0" smtClean="0">
+              <a:rPr lang="en-IN" sz="4000" b="1" dirty="0">
                 <a:latin typeface="Times New Roman" pitchFamily="18" charset="0"/>
                 <a:cs typeface="Times New Roman" pitchFamily="18" charset="0"/>
               </a:rPr>
@@ -8738,13 +8844,13 @@
               <a:buChar char="q"/>
             </a:pPr>
             <a:r>
-              <a:rPr lang="en-US" dirty="0" smtClean="0">
+              <a:rPr lang="en-US" dirty="0">
                 <a:latin typeface="Times New Roman" pitchFamily="18" charset="0"/>
                 <a:cs typeface="Times New Roman" pitchFamily="18" charset="0"/>
               </a:rPr>
               <a:t>Overview of organization</a:t>
             </a:r>
-            <a:endParaRPr lang="en-US" sz="1600" dirty="0" smtClean="0">
+            <a:endParaRPr lang="en-US" sz="1600" dirty="0">
               <a:latin typeface="Times New Roman" pitchFamily="18" charset="0"/>
               <a:cs typeface="Times New Roman" pitchFamily="18" charset="0"/>
             </a:endParaRPr>
@@ -8758,7 +8864,7 @@
               <a:buChar char="q"/>
             </a:pPr>
             <a:r>
-              <a:rPr lang="en-US" dirty="0" smtClean="0">
+              <a:rPr lang="en-US" dirty="0">
                 <a:latin typeface="Times New Roman" pitchFamily="18" charset="0"/>
                 <a:cs typeface="Times New Roman" pitchFamily="18" charset="0"/>
               </a:rPr>
@@ -8774,7 +8880,7 @@
               <a:buChar char="q"/>
             </a:pPr>
             <a:r>
-              <a:rPr lang="en-IN" dirty="0" smtClean="0">
+              <a:rPr lang="en-IN" dirty="0">
                 <a:latin typeface="Times New Roman" pitchFamily="18" charset="0"/>
                 <a:cs typeface="Times New Roman" pitchFamily="18" charset="0"/>
               </a:rPr>
@@ -8790,7 +8896,7 @@
               <a:buChar char="q"/>
             </a:pPr>
             <a:r>
-              <a:rPr lang="en-US" dirty="0" smtClean="0">
+              <a:rPr lang="en-US" dirty="0">
                 <a:latin typeface="Times New Roman" pitchFamily="18" charset="0"/>
                 <a:cs typeface="Times New Roman" pitchFamily="18" charset="0"/>
               </a:rPr>
@@ -8806,7 +8912,7 @@
               <a:buChar char="q"/>
             </a:pPr>
             <a:r>
-              <a:rPr lang="en-IN" dirty="0" smtClean="0">
+              <a:rPr lang="en-IN" dirty="0">
                 <a:latin typeface="Times New Roman" pitchFamily="18" charset="0"/>
                 <a:cs typeface="Times New Roman" pitchFamily="18" charset="0"/>
               </a:rPr>
@@ -8822,7 +8928,7 @@
               <a:buChar char="q"/>
             </a:pPr>
             <a:r>
-              <a:rPr lang="en-US" dirty="0" smtClean="0">
+              <a:rPr lang="en-US" dirty="0">
                 <a:latin typeface="Times New Roman" pitchFamily="18" charset="0"/>
                 <a:cs typeface="Times New Roman" pitchFamily="18" charset="0"/>
               </a:rPr>
@@ -8864,7 +8970,7 @@
           <p:cNvPr id="2" name="Title 1">
             <a:extLst>
               <a:ext uri="{FF2B5EF4-FFF2-40B4-BE49-F238E27FC236}">
-                <a16:creationId xmlns="" xmlns:a16="http://schemas.microsoft.com/office/drawing/2014/main" id="{EE0E4AB3-C3EC-4122-8A2E-CB877A539E24}"/>
+                <a16:creationId xmlns:a16="http://schemas.microsoft.com/office/drawing/2014/main" id="{EE0E4AB3-C3EC-4122-8A2E-CB877A539E24}"/>
               </a:ext>
             </a:extLst>
           </p:cNvPr>
@@ -8911,7 +9017,7 @@
           <p:cNvPr id="3" name="Content Placeholder 2">
             <a:extLst>
               <a:ext uri="{FF2B5EF4-FFF2-40B4-BE49-F238E27FC236}">
-                <a16:creationId xmlns="" xmlns:a16="http://schemas.microsoft.com/office/drawing/2014/main" id="{0D8ECB2E-528F-4C4B-96FC-5EA7A4F4ECB5}"/>
+                <a16:creationId xmlns:a16="http://schemas.microsoft.com/office/drawing/2014/main" id="{0D8ECB2E-528F-4C4B-96FC-5EA7A4F4ECB5}"/>
               </a:ext>
             </a:extLst>
           </p:cNvPr>
@@ -8964,7 +9070,7 @@
     </p:spTree>
     <p:extLst>
       <p:ext uri="{BB962C8B-B14F-4D97-AF65-F5344CB8AC3E}">
-        <p14:creationId xmlns="" xmlns:p14="http://schemas.microsoft.com/office/powerpoint/2010/main" val="3273608544"/>
+        <p14:creationId xmlns:p14="http://schemas.microsoft.com/office/powerpoint/2010/main" val="3273608544"/>
       </p:ext>
     </p:extLst>
   </p:cSld>
@@ -8996,7 +9102,7 @@
           <p:cNvPr id="5" name="Title 4">
             <a:extLst>
               <a:ext uri="{FF2B5EF4-FFF2-40B4-BE49-F238E27FC236}">
-                <a16:creationId xmlns:a16="http://schemas.microsoft.com/office/drawing/2014/main" xmlns="" id="{6F3494C0-ABDD-4C4D-8C46-49B8F20CC7E9}"/>
+                <a16:creationId xmlns:a16="http://schemas.microsoft.com/office/drawing/2014/main" id="{6F3494C0-ABDD-4C4D-8C46-49B8F20CC7E9}"/>
               </a:ext>
             </a:extLst>
           </p:cNvPr>
@@ -9051,7 +9157,7 @@
           <p:cNvPr id="3" name="Slide Number Placeholder 2">
             <a:extLst>
               <a:ext uri="{FF2B5EF4-FFF2-40B4-BE49-F238E27FC236}">
-                <a16:creationId xmlns:a16="http://schemas.microsoft.com/office/drawing/2014/main" xmlns="" id="{C9D622C3-EE4F-4FB9-94FB-550563528286}"/>
+                <a16:creationId xmlns:a16="http://schemas.microsoft.com/office/drawing/2014/main" id="{C9D622C3-EE4F-4FB9-94FB-550563528286}"/>
               </a:ext>
             </a:extLst>
           </p:cNvPr>
@@ -9086,7 +9192,7 @@
           <p:cNvPr id="23" name="Picture Placeholder 22">
             <a:extLst>
               <a:ext uri="{FF2B5EF4-FFF2-40B4-BE49-F238E27FC236}">
-                <a16:creationId xmlns:a16="http://schemas.microsoft.com/office/drawing/2014/main" xmlns="" id="{0A73D31B-4084-45BD-A18C-4153EFA1B81B}"/>
+                <a16:creationId xmlns:a16="http://schemas.microsoft.com/office/drawing/2014/main" id="{0A73D31B-4084-45BD-A18C-4153EFA1B81B}"/>
               </a:ext>
             </a:extLst>
           </p:cNvPr>
@@ -9111,7 +9217,7 @@
           <p:cNvPr id="25" name="Picture Placeholder 24">
             <a:extLst>
               <a:ext uri="{FF2B5EF4-FFF2-40B4-BE49-F238E27FC236}">
-                <a16:creationId xmlns:a16="http://schemas.microsoft.com/office/drawing/2014/main" xmlns="" id="{96BA4573-B347-4CDD-933E-4BAFDA2C3015}"/>
+                <a16:creationId xmlns:a16="http://schemas.microsoft.com/office/drawing/2014/main" id="{96BA4573-B347-4CDD-933E-4BAFDA2C3015}"/>
               </a:ext>
             </a:extLst>
           </p:cNvPr>
@@ -9136,7 +9242,7 @@
           <p:cNvPr id="27" name="Picture Placeholder 26">
             <a:extLst>
               <a:ext uri="{FF2B5EF4-FFF2-40B4-BE49-F238E27FC236}">
-                <a16:creationId xmlns:a16="http://schemas.microsoft.com/office/drawing/2014/main" xmlns="" id="{874A7BE1-B66F-42C4-8175-5A2952C24CD4}"/>
+                <a16:creationId xmlns:a16="http://schemas.microsoft.com/office/drawing/2014/main" id="{874A7BE1-B66F-42C4-8175-5A2952C24CD4}"/>
               </a:ext>
             </a:extLst>
           </p:cNvPr>
@@ -9159,7 +9265,7 @@
           <p:cNvPr id="35" name="Picture Placeholder 34">
             <a:extLst>
               <a:ext uri="{FF2B5EF4-FFF2-40B4-BE49-F238E27FC236}">
-                <a16:creationId xmlns:a16="http://schemas.microsoft.com/office/drawing/2014/main" xmlns="" id="{BBB34E6C-0C18-4561-B259-4CFEF7A54A48}"/>
+                <a16:creationId xmlns:a16="http://schemas.microsoft.com/office/drawing/2014/main" id="{BBB34E6C-0C18-4561-B259-4CFEF7A54A48}"/>
               </a:ext>
             </a:extLst>
           </p:cNvPr>
@@ -9182,7 +9288,7 @@
           <p:cNvPr id="2" name="Text Placeholder 1">
             <a:extLst>
               <a:ext uri="{FF2B5EF4-FFF2-40B4-BE49-F238E27FC236}">
-                <a16:creationId xmlns:a16="http://schemas.microsoft.com/office/drawing/2014/main" xmlns="" id="{AC8AD2CA-D508-4F09-80F4-12FF4658917F}"/>
+                <a16:creationId xmlns:a16="http://schemas.microsoft.com/office/drawing/2014/main" id="{AC8AD2CA-D508-4F09-80F4-12FF4658917F}"/>
               </a:ext>
             </a:extLst>
           </p:cNvPr>
@@ -9215,7 +9321,7 @@
           <p:cNvPr id="10" name="Text Placeholder 9">
             <a:extLst>
               <a:ext uri="{FF2B5EF4-FFF2-40B4-BE49-F238E27FC236}">
-                <a16:creationId xmlns:a16="http://schemas.microsoft.com/office/drawing/2014/main" xmlns="" id="{0846F302-5C33-4F94-83C0-B454A7ED57D6}"/>
+                <a16:creationId xmlns:a16="http://schemas.microsoft.com/office/drawing/2014/main" id="{0846F302-5C33-4F94-83C0-B454A7ED57D6}"/>
               </a:ext>
             </a:extLst>
           </p:cNvPr>
@@ -9248,7 +9354,7 @@
           <p:cNvPr id="12" name="Text Placeholder 11">
             <a:extLst>
               <a:ext uri="{FF2B5EF4-FFF2-40B4-BE49-F238E27FC236}">
-                <a16:creationId xmlns:a16="http://schemas.microsoft.com/office/drawing/2014/main" xmlns="" id="{78162207-766B-4DFC-B8B5-60B81643713B}"/>
+                <a16:creationId xmlns:a16="http://schemas.microsoft.com/office/drawing/2014/main" id="{78162207-766B-4DFC-B8B5-60B81643713B}"/>
               </a:ext>
             </a:extLst>
           </p:cNvPr>
@@ -9281,7 +9387,7 @@
           <p:cNvPr id="14" name="Text Placeholder 13">
             <a:extLst>
               <a:ext uri="{FF2B5EF4-FFF2-40B4-BE49-F238E27FC236}">
-                <a16:creationId xmlns:a16="http://schemas.microsoft.com/office/drawing/2014/main" xmlns="" id="{3558D145-2D12-487E-A0D6-9A70A2D60828}"/>
+                <a16:creationId xmlns:a16="http://schemas.microsoft.com/office/drawing/2014/main" id="{3558D145-2D12-487E-A0D6-9A70A2D60828}"/>
               </a:ext>
             </a:extLst>
           </p:cNvPr>
@@ -9317,7 +9423,7 @@
           <p:cNvPr id="4" name="Picture 3">
             <a:extLst>
               <a:ext uri="{FF2B5EF4-FFF2-40B4-BE49-F238E27FC236}">
-                <a16:creationId xmlns:a16="http://schemas.microsoft.com/office/drawing/2014/main" xmlns="" id="{4542D3E7-313E-4344-98EA-D67314BA8371}"/>
+                <a16:creationId xmlns:a16="http://schemas.microsoft.com/office/drawing/2014/main" id="{4542D3E7-313E-4344-98EA-D67314BA8371}"/>
               </a:ext>
             </a:extLst>
           </p:cNvPr>
@@ -9347,7 +9453,7 @@
           <p:cNvPr id="13" name="Straight Connector 12">
             <a:extLst>
               <a:ext uri="{FF2B5EF4-FFF2-40B4-BE49-F238E27FC236}">
-                <a16:creationId xmlns:a16="http://schemas.microsoft.com/office/drawing/2014/main" xmlns="" id="{91316DE3-5333-4618-AA60-8CA4865DE762}"/>
+                <a16:creationId xmlns:a16="http://schemas.microsoft.com/office/drawing/2014/main" id="{91316DE3-5333-4618-AA60-8CA4865DE762}"/>
               </a:ext>
             </a:extLst>
           </p:cNvPr>
@@ -9383,20 +9489,13 @@
     </p:spTree>
     <p:extLst>
       <p:ext uri="{BB962C8B-B14F-4D97-AF65-F5344CB8AC3E}">
-        <p14:creationId xmlns:p14="http://schemas.microsoft.com/office/powerpoint/2010/main" xmlns="" val="3462884272"/>
+        <p14:creationId xmlns:p14="http://schemas.microsoft.com/office/powerpoint/2010/main" val="3462884272"/>
       </p:ext>
     </p:extLst>
   </p:cSld>
   <p:clrMapOvr>
     <a:masterClrMapping/>
   </p:clrMapOvr>
-  <p:timing>
-    <p:tnLst>
-      <p:par>
-        <p:cTn id="1" dur="indefinite" restart="never" nodeType="tmRoot"/>
-      </p:par>
-    </p:tnLst>
-  </p:timing>
 </p:sld>
 </file>
 
@@ -9422,7 +9521,7 @@
           <p:cNvPr id="2" name="Title 1">
             <a:extLst>
               <a:ext uri="{FF2B5EF4-FFF2-40B4-BE49-F238E27FC236}">
-                <a16:creationId xmlns="" xmlns:a16="http://schemas.microsoft.com/office/drawing/2014/main" id="{9A591DE2-B62A-4996-B531-A8C4CE5947E2}"/>
+                <a16:creationId xmlns:a16="http://schemas.microsoft.com/office/drawing/2014/main" id="{9A591DE2-B62A-4996-B531-A8C4CE5947E2}"/>
               </a:ext>
             </a:extLst>
           </p:cNvPr>
@@ -9474,7 +9573,7 @@
           <p:cNvPr id="3" name="Content Placeholder 2">
             <a:extLst>
               <a:ext uri="{FF2B5EF4-FFF2-40B4-BE49-F238E27FC236}">
-                <a16:creationId xmlns="" xmlns:a16="http://schemas.microsoft.com/office/drawing/2014/main" id="{1C4BC33B-7C4C-49A0-B889-EE5BB2D4ACD7}"/>
+                <a16:creationId xmlns:a16="http://schemas.microsoft.com/office/drawing/2014/main" id="{1C4BC33B-7C4C-49A0-B889-EE5BB2D4ACD7}"/>
               </a:ext>
             </a:extLst>
           </p:cNvPr>
@@ -9492,18 +9591,18 @@
           <a:p>
             <a:pPr marL="342900" indent="-342900" algn="just"/>
             <a:r>
-              <a:rPr lang="en-GB" dirty="0" smtClean="0"/>
+              <a:rPr lang="en-GB" dirty="0"/>
               <a:t>To produce excellent services in the field of IT Services </a:t>
             </a:r>
           </a:p>
           <a:p>
             <a:pPr marL="342900" indent="-342900" algn="just"/>
-            <a:endParaRPr lang="en-GB" dirty="0" smtClean="0"/>
+            <a:endParaRPr lang="en-GB" dirty="0"/>
           </a:p>
           <a:p>
             <a:pPr marL="342900" indent="-342900" algn="just"/>
             <a:r>
-              <a:rPr lang="en-GB" dirty="0" smtClean="0"/>
+              <a:rPr lang="en-GB" dirty="0"/>
               <a:t>The company's vision and mission is creating a positive impact on the industry and society</a:t>
             </a:r>
           </a:p>
@@ -9515,7 +9614,7 @@
     </p:spTree>
     <p:extLst>
       <p:ext uri="{BB962C8B-B14F-4D97-AF65-F5344CB8AC3E}">
-        <p14:creationId xmlns="" xmlns:p14="http://schemas.microsoft.com/office/powerpoint/2010/main" val="3678848056"/>
+        <p14:creationId xmlns:p14="http://schemas.microsoft.com/office/powerpoint/2010/main" val="3678848056"/>
       </p:ext>
     </p:extLst>
   </p:cSld>
@@ -9547,7 +9646,7 @@
           <p:cNvPr id="2" name="Title 1">
             <a:extLst>
               <a:ext uri="{FF2B5EF4-FFF2-40B4-BE49-F238E27FC236}">
-                <a16:creationId xmlns="" xmlns:a16="http://schemas.microsoft.com/office/drawing/2014/main" id="{0BE0744F-1329-4886-971E-082EEDE891E7}"/>
+                <a16:creationId xmlns:a16="http://schemas.microsoft.com/office/drawing/2014/main" id="{0BE0744F-1329-4886-971E-082EEDE891E7}"/>
               </a:ext>
             </a:extLst>
           </p:cNvPr>
@@ -9612,7 +9711,7 @@
           <p:cNvPr id="3" name="Content Placeholder 2">
             <a:extLst>
               <a:ext uri="{FF2B5EF4-FFF2-40B4-BE49-F238E27FC236}">
-                <a16:creationId xmlns="" xmlns:a16="http://schemas.microsoft.com/office/drawing/2014/main" id="{9997A50A-93EE-4908-A9D7-DEBF16520FAC}"/>
+                <a16:creationId xmlns:a16="http://schemas.microsoft.com/office/drawing/2014/main" id="{9997A50A-93EE-4908-A9D7-DEBF16520FAC}"/>
               </a:ext>
             </a:extLst>
           </p:cNvPr>
@@ -9632,18 +9731,18 @@
           <a:p>
             <a:pPr marL="342900" indent="-342900" algn="just"/>
             <a:r>
-              <a:rPr lang="en-GB" dirty="0" smtClean="0"/>
+              <a:rPr lang="en-GB" dirty="0"/>
               <a:t>The executive team consists of 12 members, with the CEO being the highest-ranking member of the organization.</a:t>
             </a:r>
           </a:p>
           <a:p>
             <a:pPr marL="342900" indent="-342900" algn="just"/>
-            <a:endParaRPr lang="en-GB" dirty="0" smtClean="0"/>
+            <a:endParaRPr lang="en-GB" dirty="0"/>
           </a:p>
           <a:p>
             <a:pPr marL="342900" indent="-342900" algn="just"/>
             <a:r>
-              <a:rPr lang="en-GB" dirty="0" smtClean="0"/>
+              <a:rPr lang="en-GB" dirty="0"/>
               <a:t>The organization's structure ensures that each department operates efficiently and effectively while working towards the company's goals.</a:t>
             </a:r>
           </a:p>
@@ -9655,7 +9754,7 @@
     </p:spTree>
     <p:extLst>
       <p:ext uri="{BB962C8B-B14F-4D97-AF65-F5344CB8AC3E}">
-        <p14:creationId xmlns="" xmlns:p14="http://schemas.microsoft.com/office/powerpoint/2010/main" val="647342010"/>
+        <p14:creationId xmlns:p14="http://schemas.microsoft.com/office/powerpoint/2010/main" val="647342010"/>
       </p:ext>
     </p:extLst>
   </p:cSld>
@@ -9687,7 +9786,7 @@
           <p:cNvPr id="2" name="Title 1">
             <a:extLst>
               <a:ext uri="{FF2B5EF4-FFF2-40B4-BE49-F238E27FC236}">
-                <a16:creationId xmlns="" xmlns:a16="http://schemas.microsoft.com/office/drawing/2014/main" id="{C1CDEC22-8DD9-451D-BBB1-5E8BF0D534C9}"/>
+                <a16:creationId xmlns:a16="http://schemas.microsoft.com/office/drawing/2014/main" id="{C1CDEC22-8DD9-451D-BBB1-5E8BF0D534C9}"/>
               </a:ext>
             </a:extLst>
           </p:cNvPr>
@@ -9749,26 +9848,6 @@
                 <a:cs typeface="+mj-cs"/>
               </a:rPr>
               <a:t> personnel</a:t>
-            </a:r>
-            <a:r>
-              <a:rPr kumimoji="0" lang="en-GB" sz="4200" b="1" i="0" u="none" strike="noStrike" kern="1200" cap="none" spc="-50" normalizeH="0" baseline="0" noProof="0" dirty="0">
-                <a:ln>
-                  <a:noFill/>
-                </a:ln>
-                <a:solidFill>
-                  <a:srgbClr val="000000">
-                    <a:lumMod val="75000"/>
-                    <a:lumOff val="25000"/>
-                  </a:srgbClr>
-                </a:solidFill>
-                <a:effectLst/>
-                <a:uLnTx/>
-                <a:uFillTx/>
-                <a:latin typeface="Bookman Old Style" panose="020F0302020204030204"/>
-                <a:ea typeface="+mj-ea"/>
-                <a:cs typeface="+mj-cs"/>
-              </a:rPr>
-              <a:t/>
             </a:r>
             <a:br>
               <a:rPr kumimoji="0" lang="en-GB" sz="4200" b="1" i="0" u="none" strike="noStrike" kern="1200" cap="none" spc="-50" normalizeH="0" baseline="0" noProof="0" dirty="0">
@@ -9818,7 +9897,7 @@
           <p:cNvPr id="3" name="Content Placeholder 2">
             <a:extLst>
               <a:ext uri="{FF2B5EF4-FFF2-40B4-BE49-F238E27FC236}">
-                <a16:creationId xmlns="" xmlns:a16="http://schemas.microsoft.com/office/drawing/2014/main" id="{352B2168-2D13-4C7D-A246-ABF069ADADB1}"/>
+                <a16:creationId xmlns:a16="http://schemas.microsoft.com/office/drawing/2014/main" id="{352B2168-2D13-4C7D-A246-ABF069ADADB1}"/>
               </a:ext>
             </a:extLst>
           </p:cNvPr>
@@ -9847,23 +9926,11 @@
           <a:p>
             <a:r>
               <a:rPr lang="en-GB" dirty="0"/>
-              <a:t>T</a:t>
-            </a:r>
-            <a:r>
-              <a:rPr lang="en-GB" dirty="0" smtClean="0"/>
-              <a:t>he </a:t>
-            </a:r>
-            <a:r>
-              <a:rPr lang="en-GB" dirty="0"/>
-              <a:t>common roles within the </a:t>
+              <a:t>The common roles within the </a:t>
             </a:r>
             <a:r>
               <a:rPr lang="en-GB"/>
-              <a:t>organization </a:t>
-            </a:r>
-            <a:r>
-              <a:rPr lang="en-GB" smtClean="0"/>
-              <a:t>include   			CEO</a:t>
+              <a:t>organization include   			CEO</a:t>
             </a:r>
             <a:r>
               <a:rPr lang="en-GB" dirty="0"/>
@@ -9878,7 +9945,7 @@
     </p:spTree>
     <p:extLst>
       <p:ext uri="{BB962C8B-B14F-4D97-AF65-F5344CB8AC3E}">
-        <p14:creationId xmlns="" xmlns:p14="http://schemas.microsoft.com/office/powerpoint/2010/main" val="1282777981"/>
+        <p14:creationId xmlns:p14="http://schemas.microsoft.com/office/powerpoint/2010/main" val="1282777981"/>
       </p:ext>
     </p:extLst>
   </p:cSld>
@@ -9910,7 +9977,7 @@
           <p:cNvPr id="2" name="Title 1">
             <a:extLst>
               <a:ext uri="{FF2B5EF4-FFF2-40B4-BE49-F238E27FC236}">
-                <a16:creationId xmlns="" xmlns:a16="http://schemas.microsoft.com/office/drawing/2014/main" id="{040B1831-358F-44EE-8DB3-15082F266446}"/>
+                <a16:creationId xmlns:a16="http://schemas.microsoft.com/office/drawing/2014/main" id="{040B1831-358F-44EE-8DB3-15082F266446}"/>
               </a:ext>
             </a:extLst>
           </p:cNvPr>
@@ -9962,7 +10029,7 @@
           <p:cNvPr id="3" name="Content Placeholder 2">
             <a:extLst>
               <a:ext uri="{FF2B5EF4-FFF2-40B4-BE49-F238E27FC236}">
-                <a16:creationId xmlns="" xmlns:a16="http://schemas.microsoft.com/office/drawing/2014/main" id="{4CF1A247-2497-4F79-BC76-C3FAB48FBE4C}"/>
+                <a16:creationId xmlns:a16="http://schemas.microsoft.com/office/drawing/2014/main" id="{4CF1A247-2497-4F79-BC76-C3FAB48FBE4C}"/>
               </a:ext>
             </a:extLst>
           </p:cNvPr>
@@ -10017,7 +10084,7 @@
     </p:spTree>
     <p:extLst>
       <p:ext uri="{BB962C8B-B14F-4D97-AF65-F5344CB8AC3E}">
-        <p14:creationId xmlns="" xmlns:p14="http://schemas.microsoft.com/office/powerpoint/2010/main" val="221408088"/>
+        <p14:creationId xmlns:p14="http://schemas.microsoft.com/office/powerpoint/2010/main" val="221408088"/>
       </p:ext>
     </p:extLst>
   </p:cSld>
@@ -10049,7 +10116,7 @@
           <p:cNvPr id="4" name="Picture 3">
             <a:extLst>
               <a:ext uri="{FF2B5EF4-FFF2-40B4-BE49-F238E27FC236}">
-                <a16:creationId xmlns="" xmlns:a16="http://schemas.microsoft.com/office/drawing/2014/main" id="{E2EC539B-559A-4E10-8DA4-F86356B5FE1E}"/>
+                <a16:creationId xmlns:a16="http://schemas.microsoft.com/office/drawing/2014/main" id="{E2EC539B-559A-4E10-8DA4-F86356B5FE1E}"/>
               </a:ext>
             </a:extLst>
           </p:cNvPr>
@@ -10079,7 +10146,7 @@
           <p:cNvPr id="5" name="Picture 4">
             <a:extLst>
               <a:ext uri="{FF2B5EF4-FFF2-40B4-BE49-F238E27FC236}">
-                <a16:creationId xmlns="" xmlns:a16="http://schemas.microsoft.com/office/drawing/2014/main" id="{4CBB0DF3-6896-4A08-8888-AF929AA11026}"/>
+                <a16:creationId xmlns:a16="http://schemas.microsoft.com/office/drawing/2014/main" id="{4CBB0DF3-6896-4A08-8888-AF929AA11026}"/>
               </a:ext>
             </a:extLst>
           </p:cNvPr>
@@ -10107,7 +10174,7 @@
     </p:spTree>
     <p:extLst>
       <p:ext uri="{BB962C8B-B14F-4D97-AF65-F5344CB8AC3E}">
-        <p14:creationId xmlns="" xmlns:p14="http://schemas.microsoft.com/office/powerpoint/2010/main" val="3977852106"/>
+        <p14:creationId xmlns:p14="http://schemas.microsoft.com/office/powerpoint/2010/main" val="3977852106"/>
       </p:ext>
     </p:extLst>
   </p:cSld>
@@ -10364,7 +10431,7 @@
   <a:extraClrSchemeLst/>
   <a:extLst>
     <a:ext uri="{05A4C25C-085E-4340-85A3-A5531E510DB2}">
-      <thm15:themeFamily xmlns="" xmlns:thm15="http://schemas.microsoft.com/office/thememl/2012/main" name="Gallery" id="{BBFCD31E-59A1-489D-B089-A3EAD7CAE12E}" vid="{F5E91637-A7B6-4E27-B710-77DA7014EE1E}"/>
+      <thm15:themeFamily xmlns:thm15="http://schemas.microsoft.com/office/thememl/2012/main" name="Gallery" id="{BBFCD31E-59A1-489D-B089-A3EAD7CAE12E}" vid="{F5E91637-A7B6-4E27-B710-77DA7014EE1E}"/>
     </a:ext>
   </a:extLst>
 </a:theme>
